--- a/Lecture/Modeling 2/Modeling_2_Lecture.pptx
+++ b/Lecture/Modeling 2/Modeling_2_Lecture.pptx
@@ -304,7 +304,7 @@
               <a:pPr>
                 <a:defRPr/>
               </a:pPr>
-              <a:t>7/15/2019</a:t>
+              <a:t>10/21/2020</a:t>
             </a:fld>
             <a:endParaRPr lang="en-US" dirty="0"/>
           </a:p>
@@ -516,7 +516,7 @@
               <a:pPr>
                 <a:defRPr/>
               </a:pPr>
-              <a:t>7/15/2019</a:t>
+              <a:t>10/21/2020</a:t>
             </a:fld>
             <a:endParaRPr lang="en-US" dirty="0"/>
           </a:p>
@@ -1035,7 +1035,7 @@
               <a:pPr>
                 <a:defRPr/>
               </a:pPr>
-              <a:t>7/15/2019</a:t>
+              <a:t>10/21/2020</a:t>
             </a:fld>
             <a:endParaRPr lang="en-US" dirty="0"/>
           </a:p>
@@ -1225,7 +1225,7 @@
               <a:pPr>
                 <a:defRPr/>
               </a:pPr>
-              <a:t>7/15/2019</a:t>
+              <a:t>10/21/2020</a:t>
             </a:fld>
             <a:endParaRPr lang="en-US" dirty="0"/>
           </a:p>
@@ -1425,7 +1425,7 @@
               <a:pPr>
                 <a:defRPr/>
               </a:pPr>
-              <a:t>7/15/2019</a:t>
+              <a:t>10/21/2020</a:t>
             </a:fld>
             <a:endParaRPr lang="en-US" dirty="0"/>
           </a:p>
@@ -1693,7 +1693,7 @@
               <a:pPr>
                 <a:defRPr/>
               </a:pPr>
-              <a:t>7/15/2019</a:t>
+              <a:t>10/21/2020</a:t>
             </a:fld>
             <a:endParaRPr lang="en-US" dirty="0">
               <a:solidFill>
@@ -1907,7 +1907,7 @@
               <a:pPr>
                 <a:defRPr/>
               </a:pPr>
-              <a:t>7/15/2019</a:t>
+              <a:t>10/21/2020</a:t>
             </a:fld>
             <a:endParaRPr lang="en-US" dirty="0">
               <a:solidFill>
@@ -2198,7 +2198,7 @@
               <a:pPr>
                 <a:defRPr/>
               </a:pPr>
-              <a:t>7/15/2019</a:t>
+              <a:t>10/21/2020</a:t>
             </a:fld>
             <a:endParaRPr lang="en-US" dirty="0">
               <a:solidFill>
@@ -2529,7 +2529,7 @@
               <a:pPr>
                 <a:defRPr/>
               </a:pPr>
-              <a:t>7/15/2019</a:t>
+              <a:t>10/21/2020</a:t>
             </a:fld>
             <a:endParaRPr lang="en-US" dirty="0">
               <a:solidFill>
@@ -2994,7 +2994,7 @@
               <a:pPr>
                 <a:defRPr/>
               </a:pPr>
-              <a:t>7/15/2019</a:t>
+              <a:t>10/21/2020</a:t>
             </a:fld>
             <a:endParaRPr lang="en-US" dirty="0">
               <a:solidFill>
@@ -3157,7 +3157,7 @@
               <a:pPr>
                 <a:defRPr/>
               </a:pPr>
-              <a:t>7/15/2019</a:t>
+              <a:t>10/21/2020</a:t>
             </a:fld>
             <a:endParaRPr lang="en-US" dirty="0">
               <a:solidFill>
@@ -3298,7 +3298,7 @@
               <a:pPr>
                 <a:defRPr/>
               </a:pPr>
-              <a:t>7/15/2019</a:t>
+              <a:t>10/21/2020</a:t>
             </a:fld>
             <a:endParaRPr lang="en-US" dirty="0">
               <a:solidFill>
@@ -3619,7 +3619,7 @@
               <a:pPr>
                 <a:defRPr/>
               </a:pPr>
-              <a:t>7/15/2019</a:t>
+              <a:t>10/21/2020</a:t>
             </a:fld>
             <a:endParaRPr lang="en-US" dirty="0">
               <a:solidFill>
@@ -3827,7 +3827,7 @@
               <a:pPr>
                 <a:defRPr/>
               </a:pPr>
-              <a:t>7/15/2019</a:t>
+              <a:t>10/21/2020</a:t>
             </a:fld>
             <a:endParaRPr lang="en-US" dirty="0"/>
           </a:p>
@@ -4110,7 +4110,7 @@
               <a:pPr>
                 <a:defRPr/>
               </a:pPr>
-              <a:t>7/15/2019</a:t>
+              <a:t>10/21/2020</a:t>
             </a:fld>
             <a:endParaRPr lang="en-US" dirty="0">
               <a:solidFill>
@@ -4324,7 +4324,7 @@
               <a:pPr>
                 <a:defRPr/>
               </a:pPr>
-              <a:t>7/15/2019</a:t>
+              <a:t>10/21/2020</a:t>
             </a:fld>
             <a:endParaRPr lang="en-US" dirty="0">
               <a:solidFill>
@@ -4548,7 +4548,7 @@
               <a:pPr>
                 <a:defRPr/>
               </a:pPr>
-              <a:t>7/15/2019</a:t>
+              <a:t>10/21/2020</a:t>
             </a:fld>
             <a:endParaRPr lang="en-US" dirty="0">
               <a:solidFill>
@@ -4758,7 +4758,7 @@
               <a:pPr>
                 <a:defRPr/>
               </a:pPr>
-              <a:t>7/15/2019</a:t>
+              <a:t>10/21/2020</a:t>
             </a:fld>
             <a:endParaRPr lang="en-US" dirty="0">
               <a:solidFill>
@@ -5035,7 +5035,7 @@
               <a:pPr>
                 <a:defRPr/>
               </a:pPr>
-              <a:t>7/15/2019</a:t>
+              <a:t>10/21/2020</a:t>
             </a:fld>
             <a:endParaRPr lang="en-US" dirty="0"/>
           </a:p>
@@ -5342,7 +5342,7 @@
               <a:pPr>
                 <a:defRPr/>
               </a:pPr>
-              <a:t>7/15/2019</a:t>
+              <a:t>10/21/2020</a:t>
             </a:fld>
             <a:endParaRPr lang="en-US" dirty="0"/>
           </a:p>
@@ -5783,7 +5783,7 @@
               <a:pPr>
                 <a:defRPr/>
               </a:pPr>
-              <a:t>7/15/2019</a:t>
+              <a:t>10/21/2020</a:t>
             </a:fld>
             <a:endParaRPr lang="en-US" dirty="0"/>
           </a:p>
@@ -5922,7 +5922,7 @@
               <a:pPr>
                 <a:defRPr/>
               </a:pPr>
-              <a:t>7/15/2019</a:t>
+              <a:t>10/21/2020</a:t>
             </a:fld>
             <a:endParaRPr lang="en-US" dirty="0"/>
           </a:p>
@@ -6039,7 +6039,7 @@
               <a:pPr>
                 <a:defRPr/>
               </a:pPr>
-              <a:t>7/15/2019</a:t>
+              <a:t>10/21/2020</a:t>
             </a:fld>
             <a:endParaRPr lang="en-US" dirty="0"/>
           </a:p>
@@ -6336,7 +6336,7 @@
               <a:pPr>
                 <a:defRPr/>
               </a:pPr>
-              <a:t>7/15/2019</a:t>
+              <a:t>10/21/2020</a:t>
             </a:fld>
             <a:endParaRPr lang="en-US" dirty="0"/>
           </a:p>
@@ -6613,7 +6613,7 @@
               <a:pPr>
                 <a:defRPr/>
               </a:pPr>
-              <a:t>7/15/2019</a:t>
+              <a:t>10/21/2020</a:t>
             </a:fld>
             <a:endParaRPr lang="en-US" dirty="0"/>
           </a:p>
@@ -6870,7 +6870,7 @@
               <a:pPr>
                 <a:defRPr/>
               </a:pPr>
-              <a:t>7/15/2019</a:t>
+              <a:t>10/21/2020</a:t>
             </a:fld>
             <a:endParaRPr lang="en-US" dirty="0"/>
           </a:p>
@@ -7580,7 +7580,7 @@
               <a:pPr>
                 <a:defRPr/>
               </a:pPr>
-              <a:t>7/15/2019</a:t>
+              <a:t>10/21/2020</a:t>
             </a:fld>
             <a:endParaRPr lang="en-US" dirty="0">
               <a:solidFill>
@@ -13732,12 +13732,20 @@
               <a:defRPr/>
             </a:pPr>
             <a:r>
+              <a:rPr lang="en-US">
+                <a:solidFill>
+                  <a:srgbClr val="404040"/>
+                </a:solidFill>
+              </a:rPr>
+              <a:t>Download Supplement </a:t>
+            </a:r>
+            <a:r>
               <a:rPr lang="en-US" dirty="0">
                 <a:solidFill>
                   <a:srgbClr val="404040"/>
                 </a:solidFill>
               </a:rPr>
-              <a:t>Download Tutorial Zip</a:t>
+              <a:t>Zip</a:t>
             </a:r>
           </a:p>
           <a:p>
